--- a/proposal/DIP1stproposal.pptx
+++ b/proposal/DIP1stproposal.pptx
@@ -110,6 +110,11 @@
       </a:defRPr>
     </a:lvl9pPr>
   </p:defaultTextStyle>
+  <p:extLst>
+    <p:ext uri="{EFAFB233-063F-42B5-8137-9DF3F51BA10A}">
+      <p15:sldGuideLst xmlns:p15="http://schemas.microsoft.com/office/powerpoint/2012/main"/>
+    </p:ext>
+  </p:extLst>
 </p:presentation>
 </file>
 
@@ -244,7 +249,7 @@
           <a:p>
             <a:fld id="{94E86B2D-1E5E-4395-A45B-6A929AD6AD6E}" type="datetimeFigureOut">
               <a:rPr lang="zh-TW" altLang="en-US" smtClean="0"/>
-              <a:t>2017/10/12</a:t>
+              <a:t>2017/12/7</a:t>
             </a:fld>
             <a:endParaRPr lang="zh-TW" altLang="en-US"/>
           </a:p>
@@ -414,7 +419,7 @@
           <a:p>
             <a:fld id="{94E86B2D-1E5E-4395-A45B-6A929AD6AD6E}" type="datetimeFigureOut">
               <a:rPr lang="zh-TW" altLang="en-US" smtClean="0"/>
-              <a:t>2017/10/12</a:t>
+              <a:t>2017/12/7</a:t>
             </a:fld>
             <a:endParaRPr lang="zh-TW" altLang="en-US"/>
           </a:p>
@@ -594,7 +599,7 @@
           <a:p>
             <a:fld id="{94E86B2D-1E5E-4395-A45B-6A929AD6AD6E}" type="datetimeFigureOut">
               <a:rPr lang="zh-TW" altLang="en-US" smtClean="0"/>
-              <a:t>2017/10/12</a:t>
+              <a:t>2017/12/7</a:t>
             </a:fld>
             <a:endParaRPr lang="zh-TW" altLang="en-US"/>
           </a:p>
@@ -764,7 +769,7 @@
           <a:p>
             <a:fld id="{94E86B2D-1E5E-4395-A45B-6A929AD6AD6E}" type="datetimeFigureOut">
               <a:rPr lang="zh-TW" altLang="en-US" smtClean="0"/>
-              <a:t>2017/10/12</a:t>
+              <a:t>2017/12/7</a:t>
             </a:fld>
             <a:endParaRPr lang="zh-TW" altLang="en-US"/>
           </a:p>
@@ -1010,7 +1015,7 @@
           <a:p>
             <a:fld id="{94E86B2D-1E5E-4395-A45B-6A929AD6AD6E}" type="datetimeFigureOut">
               <a:rPr lang="zh-TW" altLang="en-US" smtClean="0"/>
-              <a:t>2017/10/12</a:t>
+              <a:t>2017/12/7</a:t>
             </a:fld>
             <a:endParaRPr lang="zh-TW" altLang="en-US"/>
           </a:p>
@@ -1242,7 +1247,7 @@
           <a:p>
             <a:fld id="{94E86B2D-1E5E-4395-A45B-6A929AD6AD6E}" type="datetimeFigureOut">
               <a:rPr lang="zh-TW" altLang="en-US" smtClean="0"/>
-              <a:t>2017/10/12</a:t>
+              <a:t>2017/12/7</a:t>
             </a:fld>
             <a:endParaRPr lang="zh-TW" altLang="en-US"/>
           </a:p>
@@ -1609,7 +1614,7 @@
           <a:p>
             <a:fld id="{94E86B2D-1E5E-4395-A45B-6A929AD6AD6E}" type="datetimeFigureOut">
               <a:rPr lang="zh-TW" altLang="en-US" smtClean="0"/>
-              <a:t>2017/10/12</a:t>
+              <a:t>2017/12/7</a:t>
             </a:fld>
             <a:endParaRPr lang="zh-TW" altLang="en-US"/>
           </a:p>
@@ -1727,7 +1732,7 @@
           <a:p>
             <a:fld id="{94E86B2D-1E5E-4395-A45B-6A929AD6AD6E}" type="datetimeFigureOut">
               <a:rPr lang="zh-TW" altLang="en-US" smtClean="0"/>
-              <a:t>2017/10/12</a:t>
+              <a:t>2017/12/7</a:t>
             </a:fld>
             <a:endParaRPr lang="zh-TW" altLang="en-US"/>
           </a:p>
@@ -1822,7 +1827,7 @@
           <a:p>
             <a:fld id="{94E86B2D-1E5E-4395-A45B-6A929AD6AD6E}" type="datetimeFigureOut">
               <a:rPr lang="zh-TW" altLang="en-US" smtClean="0"/>
-              <a:t>2017/10/12</a:t>
+              <a:t>2017/12/7</a:t>
             </a:fld>
             <a:endParaRPr lang="zh-TW" altLang="en-US"/>
           </a:p>
@@ -2099,7 +2104,7 @@
           <a:p>
             <a:fld id="{94E86B2D-1E5E-4395-A45B-6A929AD6AD6E}" type="datetimeFigureOut">
               <a:rPr lang="zh-TW" altLang="en-US" smtClean="0"/>
-              <a:t>2017/10/12</a:t>
+              <a:t>2017/12/7</a:t>
             </a:fld>
             <a:endParaRPr lang="zh-TW" altLang="en-US"/>
           </a:p>
@@ -2352,7 +2357,7 @@
           <a:p>
             <a:fld id="{94E86B2D-1E5E-4395-A45B-6A929AD6AD6E}" type="datetimeFigureOut">
               <a:rPr lang="zh-TW" altLang="en-US" smtClean="0"/>
-              <a:t>2017/10/12</a:t>
+              <a:t>2017/12/7</a:t>
             </a:fld>
             <a:endParaRPr lang="zh-TW" altLang="en-US"/>
           </a:p>
@@ -2565,7 +2570,7 @@
           <a:p>
             <a:fld id="{94E86B2D-1E5E-4395-A45B-6A929AD6AD6E}" type="datetimeFigureOut">
               <a:rPr lang="zh-TW" altLang="en-US" smtClean="0"/>
-              <a:t>2017/10/12</a:t>
+              <a:t>2017/12/7</a:t>
             </a:fld>
             <a:endParaRPr lang="zh-TW" altLang="en-US"/>
           </a:p>
@@ -2997,8 +3002,16 @@
               <a:rPr lang="en-US" altLang="zh-TW" b="1" dirty="0" smtClean="0"/>
             </a:br>
             <a:r>
-              <a:rPr lang="en-US" altLang="zh-TW" sz="3600" b="1" dirty="0" smtClean="0"/>
-              <a:t>first proposal</a:t>
+              <a:rPr lang="en-US" altLang="zh-TW" sz="3600" b="1" smtClean="0"/>
+              <a:t> </a:t>
+            </a:r>
+            <a:r>
+              <a:rPr lang="en-US" altLang="zh-TW" sz="3600" b="1" smtClean="0"/>
+              <a:t>first </a:t>
+            </a:r>
+            <a:r>
+              <a:rPr lang="en-US" altLang="zh-TW" sz="3600" b="1" smtClean="0"/>
+              <a:t>proposal</a:t>
             </a:r>
             <a:endParaRPr lang="zh-TW" altLang="en-US" dirty="0"/>
           </a:p>
@@ -3285,7 +3298,6 @@
               <a:rPr lang="en-US" altLang="zh-TW" dirty="0" smtClean="0"/>
               <a:t>[2]X. Zhang, P. Shen, L. Luo, L. Zhang, and J. Song, “Enhancement and Noise Reduction of Very Low Light Level Images,” IEEE Intl. Conf. on Pattern Recognition, pp. 2034-2037, 2012.</a:t>
             </a:r>
-            <a:endParaRPr lang="en-US" altLang="zh-TW" dirty="0" smtClean="0"/>
           </a:p>
           <a:p>
             <a:r>
@@ -3688,15 +3700,7 @@
             </a:r>
             <a:r>
               <a:rPr lang="en-US" altLang="zh-TW" dirty="0" smtClean="0"/>
-              <a:t>[</a:t>
-            </a:r>
-            <a:r>
-              <a:rPr lang="en-US" altLang="zh-TW" dirty="0" smtClean="0"/>
-              <a:t>3</a:t>
-            </a:r>
-            <a:r>
-              <a:rPr lang="en-US" altLang="zh-TW" dirty="0" smtClean="0"/>
-              <a:t>]</a:t>
+              <a:t>[3]</a:t>
             </a:r>
             <a:r>
               <a:rPr lang="zh-TW" altLang="en-US" dirty="0" smtClean="0"/>
